--- a/Habitatge_Mercat/Mercado_de_negociacion.pptx
+++ b/Habitatge_Mercat/Mercado_de_negociacion.pptx
@@ -405,7 +405,7 @@
             <a:fld id="{D57F1E4F-1CFF-5643-939E-217C01CDF565}" type="slidenum">
               <a:rPr lang="en-US" dirty="0"/>
               <a:pPr/>
-              <a:t>‹#›</a:t>
+              <a:t>‹Nº›</a:t>
             </a:fld>
             <a:endParaRPr lang="en-US" dirty="0"/>
           </a:p>
@@ -726,7 +726,7 @@
             <a:fld id="{D57F1E4F-1CFF-5643-939E-217C01CDF565}" type="slidenum">
               <a:rPr lang="en-US" dirty="0"/>
               <a:pPr/>
-              <a:t>‹#›</a:t>
+              <a:t>‹Nº›</a:t>
             </a:fld>
             <a:endParaRPr lang="en-US" dirty="0"/>
           </a:p>
@@ -1001,7 +1001,7 @@
             <a:fld id="{D57F1E4F-1CFF-5643-939E-217C01CDF565}" type="slidenum">
               <a:rPr lang="en-US" dirty="0"/>
               <a:pPr/>
-              <a:t>‹#›</a:t>
+              <a:t>‹Nº›</a:t>
             </a:fld>
             <a:endParaRPr lang="en-US" dirty="0"/>
           </a:p>
@@ -1566,7 +1566,7 @@
             <a:fld id="{D57F1E4F-1CFF-5643-939E-217C01CDF565}" type="slidenum">
               <a:rPr lang="en-US" dirty="0"/>
               <a:pPr/>
-              <a:t>‹#›</a:t>
+              <a:t>‹Nº›</a:t>
             </a:fld>
             <a:endParaRPr lang="en-US" dirty="0"/>
           </a:p>
@@ -1841,7 +1841,7 @@
             <a:fld id="{D57F1E4F-1CFF-5643-939E-217C01CDF565}" type="slidenum">
               <a:rPr lang="en-US" dirty="0"/>
               <a:pPr/>
-              <a:t>‹#›</a:t>
+              <a:t>‹Nº›</a:t>
             </a:fld>
             <a:endParaRPr lang="en-US" dirty="0"/>
           </a:p>
@@ -2400,7 +2400,7 @@
             <a:fld id="{D57F1E4F-1CFF-5643-939E-217C01CDF565}" type="slidenum">
               <a:rPr lang="en-US" dirty="0"/>
               <a:pPr/>
-              <a:t>‹#›</a:t>
+              <a:t>‹Nº›</a:t>
             </a:fld>
             <a:endParaRPr lang="en-US" dirty="0"/>
           </a:p>
@@ -2724,7 +2724,7 @@
             <a:fld id="{D57F1E4F-1CFF-5643-939E-217C01CDF565}" type="slidenum">
               <a:rPr lang="en-US" dirty="0"/>
               <a:pPr/>
-              <a:t>‹#›</a:t>
+              <a:t>‹Nº›</a:t>
             </a:fld>
             <a:endParaRPr lang="en-US" dirty="0"/>
           </a:p>
@@ -2926,7 +2926,7 @@
             <a:fld id="{D57F1E4F-1CFF-5643-939E-217C01CDF565}" type="slidenum">
               <a:rPr lang="en-US" dirty="0"/>
               <a:pPr/>
-              <a:t>‹#›</a:t>
+              <a:t>‹Nº›</a:t>
             </a:fld>
             <a:endParaRPr lang="en-US" dirty="0"/>
           </a:p>
@@ -3133,7 +3133,7 @@
             <a:fld id="{D57F1E4F-1CFF-5643-939E-217C01CDF565}" type="slidenum">
               <a:rPr lang="en-US" dirty="0"/>
               <a:pPr/>
-              <a:t>‹#›</a:t>
+              <a:t>‹Nº›</a:t>
             </a:fld>
             <a:endParaRPr lang="en-US" dirty="0"/>
           </a:p>
@@ -3330,7 +3330,7 @@
             <a:fld id="{D57F1E4F-1CFF-5643-939E-217C01CDF565}" type="slidenum">
               <a:rPr lang="en-US" dirty="0"/>
               <a:pPr/>
-              <a:t>‹#›</a:t>
+              <a:t>‹Nº›</a:t>
             </a:fld>
             <a:endParaRPr lang="en-US" dirty="0"/>
           </a:p>
@@ -3603,7 +3603,7 @@
             <a:fld id="{D57F1E4F-1CFF-5643-939E-217C01CDF565}" type="slidenum">
               <a:rPr lang="en-US" dirty="0"/>
               <a:pPr/>
-              <a:t>‹#›</a:t>
+              <a:t>‹Nº›</a:t>
             </a:fld>
             <a:endParaRPr lang="en-US" dirty="0"/>
           </a:p>
@@ -3866,7 +3866,7 @@
             <a:fld id="{D57F1E4F-1CFF-5643-939E-217C01CDF565}" type="slidenum">
               <a:rPr lang="en-US" dirty="0"/>
               <a:pPr/>
-              <a:t>‹#›</a:t>
+              <a:t>‹Nº›</a:t>
             </a:fld>
             <a:endParaRPr lang="en-US" dirty="0"/>
           </a:p>
@@ -4237,7 +4237,7 @@
             <a:fld id="{D57F1E4F-1CFF-5643-939E-217C01CDF565}" type="slidenum">
               <a:rPr lang="en-US" dirty="0"/>
               <a:pPr/>
-              <a:t>‹#›</a:t>
+              <a:t>‹Nº›</a:t>
             </a:fld>
             <a:endParaRPr lang="en-US" dirty="0"/>
           </a:p>
@@ -4382,7 +4382,7 @@
             <a:fld id="{D57F1E4F-1CFF-5643-939E-217C01CDF565}" type="slidenum">
               <a:rPr lang="en-US" dirty="0"/>
               <a:pPr/>
-              <a:t>‹#›</a:t>
+              <a:t>‹Nº›</a:t>
             </a:fld>
             <a:endParaRPr lang="en-US" dirty="0"/>
           </a:p>
@@ -4504,7 +4504,7 @@
             <a:fld id="{D57F1E4F-1CFF-5643-939E-217C01CDF565}" type="slidenum">
               <a:rPr lang="en-US" dirty="0"/>
               <a:pPr/>
-              <a:t>‹#›</a:t>
+              <a:t>‹Nº›</a:t>
             </a:fld>
             <a:endParaRPr lang="en-US" dirty="0"/>
           </a:p>
@@ -4786,7 +4786,7 @@
             <a:fld id="{D57F1E4F-1CFF-5643-939E-217C01CDF565}" type="slidenum">
               <a:rPr lang="en-US" dirty="0"/>
               <a:pPr/>
-              <a:t>‹#›</a:t>
+              <a:t>‹Nº›</a:t>
             </a:fld>
             <a:endParaRPr lang="en-US" dirty="0"/>
           </a:p>
@@ -5107,7 +5107,7 @@
             <a:fld id="{D57F1E4F-1CFF-5643-939E-217C01CDF565}" type="slidenum">
               <a:rPr lang="en-US" dirty="0"/>
               <a:pPr/>
-              <a:t>‹#›</a:t>
+              <a:t>‹Nº›</a:t>
             </a:fld>
             <a:endParaRPr lang="en-US" dirty="0"/>
           </a:p>
@@ -5354,7 +5354,7 @@
             <a:fld id="{D57F1E4F-1CFF-5643-939E-217C01CDF565}" type="slidenum">
               <a:rPr lang="en-US" dirty="0"/>
               <a:pPr/>
-              <a:t>‹#›</a:t>
+              <a:t>‹Nº›</a:t>
             </a:fld>
             <a:endParaRPr lang="en-US" dirty="0"/>
           </a:p>
@@ -5789,7 +5789,7 @@
           <p:cNvPr id="2" name="Título 1">
             <a:extLst>
               <a:ext uri="{FF2B5EF4-FFF2-40B4-BE49-F238E27FC236}">
-                <a16:creationId xmlns:a16="http://schemas.microsoft.com/office/drawing/2014/main" xmlns="" id="{4B122B93-B659-4FC1-89C4-205E660F3F97}"/>
+                <a16:creationId xmlns:a16="http://schemas.microsoft.com/office/drawing/2014/main" id="{4B122B93-B659-4FC1-89C4-205E660F3F97}"/>
               </a:ext>
             </a:extLst>
           </p:cNvPr>
@@ -5877,7 +5877,7 @@
           <p:cNvPr id="3" name="Subtítulo 2">
             <a:extLst>
               <a:ext uri="{FF2B5EF4-FFF2-40B4-BE49-F238E27FC236}">
-                <a16:creationId xmlns:a16="http://schemas.microsoft.com/office/drawing/2014/main" xmlns="" id="{21709627-5116-4C12-8A56-3F4D2FB74A5D}"/>
+                <a16:creationId xmlns:a16="http://schemas.microsoft.com/office/drawing/2014/main" id="{21709627-5116-4C12-8A56-3F4D2FB74A5D}"/>
               </a:ext>
             </a:extLst>
           </p:cNvPr>
@@ -6064,7 +6064,7 @@
           <p:cNvPr id="11" name="Picture 10">
             <a:extLst>
               <a:ext uri="{FF2B5EF4-FFF2-40B4-BE49-F238E27FC236}">
-                <a16:creationId xmlns:a16="http://schemas.microsoft.com/office/drawing/2014/main" xmlns="" id="{E99155B9-6320-4AB5-A815-8A2754562B94}"/>
+                <a16:creationId xmlns:a16="http://schemas.microsoft.com/office/drawing/2014/main" id="{E99155B9-6320-4AB5-A815-8A2754562B94}"/>
               </a:ext>
             </a:extLst>
           </p:cNvPr>
@@ -6074,7 +6074,7 @@
           <p:nvPr>
             <p:extLst>
               <p:ext uri="{386F3935-93C4-4BCD-93E2-E3B085C9AB24}">
-                <p16:designElem xmlns:p16="http://schemas.microsoft.com/office/powerpoint/2015/main" xmlns="" val="1"/>
+                <p16:designElem xmlns:p16="http://schemas.microsoft.com/office/powerpoint/2015/main" val="1"/>
               </p:ext>
             </p:extLst>
           </p:nvPr>
@@ -6106,7 +6106,7 @@
           <p:cNvPr id="13" name="Rectangle 12">
             <a:extLst>
               <a:ext uri="{FF2B5EF4-FFF2-40B4-BE49-F238E27FC236}">
-                <a16:creationId xmlns:a16="http://schemas.microsoft.com/office/drawing/2014/main" xmlns="" id="{5322CD25-774C-445A-BB73-E7CA305DBEFB}"/>
+                <a16:creationId xmlns:a16="http://schemas.microsoft.com/office/drawing/2014/main" id="{5322CD25-774C-445A-BB73-E7CA305DBEFB}"/>
               </a:ext>
             </a:extLst>
           </p:cNvPr>
@@ -6116,7 +6116,7 @@
           <p:nvPr>
             <p:extLst>
               <p:ext uri="{386F3935-93C4-4BCD-93E2-E3B085C9AB24}">
-                <p16:designElem xmlns:p16="http://schemas.microsoft.com/office/powerpoint/2015/main" xmlns="" val="1"/>
+                <p16:designElem xmlns:p16="http://schemas.microsoft.com/office/powerpoint/2015/main" val="1"/>
               </p:ext>
             </p:extLst>
           </p:nvPr>
@@ -6158,71 +6158,12 @@
           </a:p>
         </p:txBody>
       </p:sp>
-      <p:pic>
-        <p:nvPicPr>
-          <p:cNvPr id="6" name="Marcador de contenido 5">
-            <a:extLst>
-              <a:ext uri="{FF2B5EF4-FFF2-40B4-BE49-F238E27FC236}">
-                <a16:creationId xmlns:a16="http://schemas.microsoft.com/office/drawing/2014/main" xmlns="" id="{C86B749D-DCE0-47FD-AEF0-B8C01242DEBA}"/>
-              </a:ext>
-            </a:extLst>
-          </p:cNvPr>
-          <p:cNvPicPr>
-            <a:picLocks noGrp="1" noChangeAspect="1"/>
-          </p:cNvPicPr>
-          <p:nvPr>
-            <p:ph sz="half" idx="1"/>
-          </p:nvPr>
-        </p:nvPicPr>
-        <p:blipFill rotWithShape="1">
-          <a:blip r:embed="rId4">
-            <a:clrChange>
-              <a:clrFrom>
-                <a:srgbClr val="FFFFFF"/>
-              </a:clrFrom>
-              <a:clrTo>
-                <a:srgbClr val="FFFFFF">
-                  <a:alpha val="0"/>
-                </a:srgbClr>
-              </a:clrTo>
-            </a:clrChange>
-            <a:extLst>
-              <a:ext uri="{BEBA8EAE-BF5A-486C-A8C5-ECC9F3942E4B}">
-                <a14:imgProps xmlns:a14="http://schemas.microsoft.com/office/drawing/2010/main">
-                  <a14:imgLayer r:embed="rId5">
-                    <a14:imgEffect>
-                      <a14:artisticPaintBrush/>
-                    </a14:imgEffect>
-                    <a14:imgEffect>
-                      <a14:sharpenSoften amount="48000"/>
-                    </a14:imgEffect>
-                    <a14:imgEffect>
-                      <a14:saturation sat="96000"/>
-                    </a14:imgEffect>
-                  </a14:imgLayer>
-                </a14:imgProps>
-              </a:ext>
-            </a:extLst>
-          </a:blip>
-          <a:srcRect l="11053" t="5410" r="15886" b="3681"/>
-          <a:stretch/>
-        </p:blipFill>
-        <p:spPr>
-          <a:xfrm>
-            <a:off x="5151212" y="1906592"/>
-            <a:ext cx="5666014" cy="3967843"/>
-          </a:xfrm>
-          <a:prstGeom prst="rect">
-            <a:avLst/>
-          </a:prstGeom>
-        </p:spPr>
-      </p:pic>
       <p:sp>
         <p:nvSpPr>
           <p:cNvPr id="2" name="Título 1">
             <a:extLst>
               <a:ext uri="{FF2B5EF4-FFF2-40B4-BE49-F238E27FC236}">
-                <a16:creationId xmlns:a16="http://schemas.microsoft.com/office/drawing/2014/main" xmlns="" id="{88EED7EB-B4AC-40C7-8FDC-966DCC01B2F0}"/>
+                <a16:creationId xmlns:a16="http://schemas.microsoft.com/office/drawing/2014/main" id="{88EED7EB-B4AC-40C7-8FDC-966DCC01B2F0}"/>
               </a:ext>
             </a:extLst>
           </p:cNvPr>
@@ -6272,7 +6213,7 @@
           <p:cNvPr id="4" name="Marcador de contenido 3">
             <a:extLst>
               <a:ext uri="{FF2B5EF4-FFF2-40B4-BE49-F238E27FC236}">
-                <a16:creationId xmlns:a16="http://schemas.microsoft.com/office/drawing/2014/main" xmlns="" id="{2FC18425-1482-47B6-A1E6-E805FF8F85FE}"/>
+                <a16:creationId xmlns:a16="http://schemas.microsoft.com/office/drawing/2014/main" id="{2FC18425-1482-47B6-A1E6-E805FF8F85FE}"/>
               </a:ext>
             </a:extLst>
           </p:cNvPr>
@@ -6467,6 +6408,37 @@
           </a:p>
         </p:txBody>
       </p:sp>
+      <p:pic>
+        <p:nvPicPr>
+          <p:cNvPr id="5" name="Imagen 4"/>
+          <p:cNvPicPr>
+            <a:picLocks noChangeAspect="1"/>
+          </p:cNvPicPr>
+          <p:nvPr/>
+        </p:nvPicPr>
+        <p:blipFill>
+          <a:blip r:embed="rId4">
+            <a:lum bright="70000" contrast="-70000"/>
+            <a:extLst>
+              <a:ext uri="{28A0092B-C50C-407E-A947-70E740481C1C}">
+                <a14:useLocalDpi xmlns:a14="http://schemas.microsoft.com/office/drawing/2010/main" val="0"/>
+              </a:ext>
+            </a:extLst>
+          </a:blip>
+          <a:stretch>
+            <a:fillRect/>
+          </a:stretch>
+        </p:blipFill>
+        <p:spPr>
+          <a:xfrm>
+            <a:off x="5526045" y="1833851"/>
+            <a:ext cx="4006262" cy="4006262"/>
+          </a:xfrm>
+          <a:prstGeom prst="rect">
+            <a:avLst/>
+          </a:prstGeom>
+        </p:spPr>
+      </p:pic>
     </p:spTree>
     <p:extLst>
       <p:ext uri="{BB962C8B-B14F-4D97-AF65-F5344CB8AC3E}">
@@ -6520,7 +6492,7 @@
           <p:cNvPr id="11" name="Picture 10">
             <a:extLst>
               <a:ext uri="{FF2B5EF4-FFF2-40B4-BE49-F238E27FC236}">
-                <a16:creationId xmlns:a16="http://schemas.microsoft.com/office/drawing/2014/main" xmlns="" id="{B177FA9E-5F9F-48BC-9C04-9A7B61FFE5C4}"/>
+                <a16:creationId xmlns:a16="http://schemas.microsoft.com/office/drawing/2014/main" id="{B177FA9E-5F9F-48BC-9C04-9A7B61FFE5C4}"/>
               </a:ext>
             </a:extLst>
           </p:cNvPr>
@@ -6530,7 +6502,7 @@
           <p:nvPr>
             <p:extLst>
               <p:ext uri="{386F3935-93C4-4BCD-93E2-E3B085C9AB24}">
-                <p16:designElem xmlns:p16="http://schemas.microsoft.com/office/powerpoint/2015/main" xmlns="" val="1"/>
+                <p16:designElem xmlns:p16="http://schemas.microsoft.com/office/powerpoint/2015/main" val="1"/>
               </p:ext>
             </p:extLst>
           </p:nvPr>
@@ -6562,7 +6534,7 @@
           <p:cNvPr id="6" name="Marcador de contenido 5">
             <a:extLst>
               <a:ext uri="{FF2B5EF4-FFF2-40B4-BE49-F238E27FC236}">
-                <a16:creationId xmlns:a16="http://schemas.microsoft.com/office/drawing/2014/main" xmlns="" id="{882EE02E-0FAA-43A6-9035-BFC89C6A0621}"/>
+                <a16:creationId xmlns:a16="http://schemas.microsoft.com/office/drawing/2014/main" id="{882EE02E-0FAA-43A6-9035-BFC89C6A0621}"/>
               </a:ext>
             </a:extLst>
           </p:cNvPr>
@@ -6650,7 +6622,7 @@
           <p:cNvPr id="2" name="Título 1">
             <a:extLst>
               <a:ext uri="{FF2B5EF4-FFF2-40B4-BE49-F238E27FC236}">
-                <a16:creationId xmlns:a16="http://schemas.microsoft.com/office/drawing/2014/main" xmlns="" id="{C3956EB3-060A-495C-9549-1ACF3686B915}"/>
+                <a16:creationId xmlns:a16="http://schemas.microsoft.com/office/drawing/2014/main" id="{C3956EB3-060A-495C-9549-1ACF3686B915}"/>
               </a:ext>
             </a:extLst>
           </p:cNvPr>
@@ -6700,7 +6672,7 @@
           <p:cNvPr id="4" name="Marcador de contenido 3">
             <a:extLst>
               <a:ext uri="{FF2B5EF4-FFF2-40B4-BE49-F238E27FC236}">
-                <a16:creationId xmlns:a16="http://schemas.microsoft.com/office/drawing/2014/main" xmlns="" id="{5B251D9F-40A8-4C8B-899B-B5B5559CE83C}"/>
+                <a16:creationId xmlns:a16="http://schemas.microsoft.com/office/drawing/2014/main" id="{5B251D9F-40A8-4C8B-899B-B5B5559CE83C}"/>
               </a:ext>
             </a:extLst>
           </p:cNvPr>
@@ -6848,7 +6820,7 @@
           <p:cNvPr id="14" name="Picture 11">
             <a:extLst>
               <a:ext uri="{FF2B5EF4-FFF2-40B4-BE49-F238E27FC236}">
-                <a16:creationId xmlns:a16="http://schemas.microsoft.com/office/drawing/2014/main" xmlns="" id="{B177FA9E-5F9F-48BC-9C04-9A7B61FFE5C4}"/>
+                <a16:creationId xmlns:a16="http://schemas.microsoft.com/office/drawing/2014/main" id="{B177FA9E-5F9F-48BC-9C04-9A7B61FFE5C4}"/>
               </a:ext>
             </a:extLst>
           </p:cNvPr>
@@ -6858,7 +6830,7 @@
           <p:nvPr>
             <p:extLst>
               <p:ext uri="{386F3935-93C4-4BCD-93E2-E3B085C9AB24}">
-                <p16:designElem xmlns:p16="http://schemas.microsoft.com/office/powerpoint/2015/main" xmlns="" val="1"/>
+                <p16:designElem xmlns:p16="http://schemas.microsoft.com/office/powerpoint/2015/main" val="1"/>
               </p:ext>
             </p:extLst>
           </p:nvPr>
@@ -6890,7 +6862,7 @@
           <p:cNvPr id="7" name="Imagen 6">
             <a:extLst>
               <a:ext uri="{FF2B5EF4-FFF2-40B4-BE49-F238E27FC236}">
-                <a16:creationId xmlns:a16="http://schemas.microsoft.com/office/drawing/2014/main" xmlns="" id="{57B133A5-FF05-4AFF-9024-0E9160AF67EB}"/>
+                <a16:creationId xmlns:a16="http://schemas.microsoft.com/office/drawing/2014/main" id="{57B133A5-FF05-4AFF-9024-0E9160AF67EB}"/>
               </a:ext>
             </a:extLst>
           </p:cNvPr>
@@ -6959,7 +6931,7 @@
           <p:cNvPr id="2" name="Título 1">
             <a:extLst>
               <a:ext uri="{FF2B5EF4-FFF2-40B4-BE49-F238E27FC236}">
-                <a16:creationId xmlns:a16="http://schemas.microsoft.com/office/drawing/2014/main" xmlns="" id="{BEAE5BFC-228C-42DA-AF98-59C2270DCED7}"/>
+                <a16:creationId xmlns:a16="http://schemas.microsoft.com/office/drawing/2014/main" id="{BEAE5BFC-228C-42DA-AF98-59C2270DCED7}"/>
               </a:ext>
             </a:extLst>
           </p:cNvPr>
@@ -7001,7 +6973,7 @@
           <p:cNvPr id="3" name="Marcador de contenido 2">
             <a:extLst>
               <a:ext uri="{FF2B5EF4-FFF2-40B4-BE49-F238E27FC236}">
-                <a16:creationId xmlns:a16="http://schemas.microsoft.com/office/drawing/2014/main" xmlns="" id="{6030DD45-EAA0-4E9E-A006-B5B280538B73}"/>
+                <a16:creationId xmlns:a16="http://schemas.microsoft.com/office/drawing/2014/main" id="{6030DD45-EAA0-4E9E-A006-B5B280538B73}"/>
               </a:ext>
             </a:extLst>
           </p:cNvPr>
@@ -7325,7 +7297,7 @@
           <p:cNvPr id="18" name="Picture 17">
             <a:extLst>
               <a:ext uri="{FF2B5EF4-FFF2-40B4-BE49-F238E27FC236}">
-                <a16:creationId xmlns:a16="http://schemas.microsoft.com/office/drawing/2014/main" xmlns="" id="{B177FA9E-5F9F-48BC-9C04-9A7B61FFE5C4}"/>
+                <a16:creationId xmlns:a16="http://schemas.microsoft.com/office/drawing/2014/main" id="{B177FA9E-5F9F-48BC-9C04-9A7B61FFE5C4}"/>
               </a:ext>
             </a:extLst>
           </p:cNvPr>
@@ -7335,7 +7307,7 @@
           <p:nvPr>
             <p:extLst>
               <p:ext uri="{386F3935-93C4-4BCD-93E2-E3B085C9AB24}">
-                <p16:designElem xmlns:p16="http://schemas.microsoft.com/office/powerpoint/2015/main" xmlns="" val="1"/>
+                <p16:designElem xmlns:p16="http://schemas.microsoft.com/office/powerpoint/2015/main" val="1"/>
               </p:ext>
             </p:extLst>
           </p:nvPr>
@@ -7367,7 +7339,7 @@
           <p:cNvPr id="2" name="Título 1">
             <a:extLst>
               <a:ext uri="{FF2B5EF4-FFF2-40B4-BE49-F238E27FC236}">
-                <a16:creationId xmlns:a16="http://schemas.microsoft.com/office/drawing/2014/main" xmlns="" id="{16607FB9-8BAC-4CB1-8EAA-63D199DD6611}"/>
+                <a16:creationId xmlns:a16="http://schemas.microsoft.com/office/drawing/2014/main" id="{16607FB9-8BAC-4CB1-8EAA-63D199DD6611}"/>
               </a:ext>
             </a:extLst>
           </p:cNvPr>
@@ -7439,7 +7411,7 @@
           <p:cNvPr id="4" name="Marcador de contenido 3">
             <a:extLst>
               <a:ext uri="{FF2B5EF4-FFF2-40B4-BE49-F238E27FC236}">
-                <a16:creationId xmlns:a16="http://schemas.microsoft.com/office/drawing/2014/main" xmlns="" id="{02CFDD02-E2FD-4A1B-82FE-B8717DA00EF8}"/>
+                <a16:creationId xmlns:a16="http://schemas.microsoft.com/office/drawing/2014/main" id="{02CFDD02-E2FD-4A1B-82FE-B8717DA00EF8}"/>
               </a:ext>
             </a:extLst>
           </p:cNvPr>
@@ -7597,7 +7569,7 @@
           <p:cNvPr id="23" name="Marcador de contenido 18">
             <a:extLst>
               <a:ext uri="{FF2B5EF4-FFF2-40B4-BE49-F238E27FC236}">
-                <a16:creationId xmlns:a16="http://schemas.microsoft.com/office/drawing/2014/main" xmlns="" id="{925F2168-F711-4077-993C-0D963549444B}"/>
+                <a16:creationId xmlns:a16="http://schemas.microsoft.com/office/drawing/2014/main" id="{925F2168-F711-4077-993C-0D963549444B}"/>
               </a:ext>
             </a:extLst>
           </p:cNvPr>
@@ -7636,12 +7608,48 @@
         </p:blipFill>
         <p:spPr>
           <a:xfrm>
-            <a:off x="4191098" y="2270061"/>
+            <a:off x="4316319" y="2474361"/>
             <a:ext cx="6341000" cy="3566813"/>
           </a:xfrm>
           <a:prstGeom prst="rect">
             <a:avLst/>
           </a:prstGeom>
+          <a:ln w="50800" cap="rnd" cmpd="dbl">
+            <a:gradFill flip="none" rotWithShape="1">
+              <a:gsLst>
+                <a:gs pos="0">
+                  <a:schemeClr val="accent1">
+                    <a:lumMod val="5000"/>
+                    <a:lumOff val="95000"/>
+                    <a:alpha val="9000"/>
+                  </a:schemeClr>
+                </a:gs>
+                <a:gs pos="100000">
+                  <a:schemeClr val="accent1">
+                    <a:lumMod val="45000"/>
+                    <a:lumOff val="55000"/>
+                  </a:schemeClr>
+                </a:gs>
+                <a:gs pos="100000">
+                  <a:schemeClr val="accent1">
+                    <a:lumMod val="45000"/>
+                    <a:lumOff val="55000"/>
+                  </a:schemeClr>
+                </a:gs>
+                <a:gs pos="100000">
+                  <a:schemeClr val="accent1">
+                    <a:lumMod val="30000"/>
+                    <a:lumOff val="70000"/>
+                  </a:schemeClr>
+                </a:gs>
+              </a:gsLst>
+              <a:path path="circle">
+                <a:fillToRect l="100000" t="100000"/>
+              </a:path>
+              <a:tileRect r="-100000" b="-100000"/>
+            </a:gradFill>
+            <a:bevel/>
+          </a:ln>
         </p:spPr>
       </p:pic>
     </p:spTree>
@@ -7697,7 +7705,7 @@
           <p:cNvPr id="17" name="Picture 16">
             <a:extLst>
               <a:ext uri="{FF2B5EF4-FFF2-40B4-BE49-F238E27FC236}">
-                <a16:creationId xmlns:a16="http://schemas.microsoft.com/office/drawing/2014/main" xmlns="" id="{E99155B9-6320-4AB5-A815-8A2754562B94}"/>
+                <a16:creationId xmlns:a16="http://schemas.microsoft.com/office/drawing/2014/main" id="{E99155B9-6320-4AB5-A815-8A2754562B94}"/>
               </a:ext>
             </a:extLst>
           </p:cNvPr>
@@ -7707,7 +7715,7 @@
           <p:nvPr>
             <p:extLst>
               <p:ext uri="{386F3935-93C4-4BCD-93E2-E3B085C9AB24}">
-                <p16:designElem xmlns:p16="http://schemas.microsoft.com/office/powerpoint/2015/main" xmlns="" val="1"/>
+                <p16:designElem xmlns:p16="http://schemas.microsoft.com/office/powerpoint/2015/main" val="1"/>
               </p:ext>
             </p:extLst>
           </p:nvPr>
@@ -7739,7 +7747,7 @@
           <p:cNvPr id="19" name="Rectangle 18">
             <a:extLst>
               <a:ext uri="{FF2B5EF4-FFF2-40B4-BE49-F238E27FC236}">
-                <a16:creationId xmlns:a16="http://schemas.microsoft.com/office/drawing/2014/main" xmlns="" id="{5322CD25-774C-445A-BB73-E7CA305DBEFB}"/>
+                <a16:creationId xmlns:a16="http://schemas.microsoft.com/office/drawing/2014/main" id="{5322CD25-774C-445A-BB73-E7CA305DBEFB}"/>
               </a:ext>
             </a:extLst>
           </p:cNvPr>
@@ -7749,7 +7757,7 @@
           <p:nvPr>
             <p:extLst>
               <p:ext uri="{386F3935-93C4-4BCD-93E2-E3B085C9AB24}">
-                <p16:designElem xmlns:p16="http://schemas.microsoft.com/office/powerpoint/2015/main" xmlns="" val="1"/>
+                <p16:designElem xmlns:p16="http://schemas.microsoft.com/office/powerpoint/2015/main" val="1"/>
               </p:ext>
             </p:extLst>
           </p:nvPr>
@@ -7796,7 +7804,7 @@
           <p:cNvPr id="21" name="Picture 20">
             <a:extLst>
               <a:ext uri="{FF2B5EF4-FFF2-40B4-BE49-F238E27FC236}">
-                <a16:creationId xmlns:a16="http://schemas.microsoft.com/office/drawing/2014/main" xmlns="" id="{0CE22D27-F39E-4E29-B074-E0E3F1C8F8E3}"/>
+                <a16:creationId xmlns:a16="http://schemas.microsoft.com/office/drawing/2014/main" id="{0CE22D27-F39E-4E29-B074-E0E3F1C8F8E3}"/>
               </a:ext>
             </a:extLst>
           </p:cNvPr>
@@ -7806,7 +7814,7 @@
           <p:nvPr>
             <p:extLst>
               <p:ext uri="{386F3935-93C4-4BCD-93E2-E3B085C9AB24}">
-                <p16:designElem xmlns:p16="http://schemas.microsoft.com/office/powerpoint/2015/main" xmlns="" val="1"/>
+                <p16:designElem xmlns:p16="http://schemas.microsoft.com/office/powerpoint/2015/main" val="1"/>
               </p:ext>
             </p:extLst>
           </p:nvPr>
@@ -7839,7 +7847,7 @@
           <p:cNvPr id="2" name="Título 1">
             <a:extLst>
               <a:ext uri="{FF2B5EF4-FFF2-40B4-BE49-F238E27FC236}">
-                <a16:creationId xmlns:a16="http://schemas.microsoft.com/office/drawing/2014/main" xmlns="" id="{2F518540-51DE-4827-B57A-B61A7AAE4740}"/>
+                <a16:creationId xmlns:a16="http://schemas.microsoft.com/office/drawing/2014/main" id="{2F518540-51DE-4827-B57A-B61A7AAE4740}"/>
               </a:ext>
             </a:extLst>
           </p:cNvPr>
@@ -7890,7 +7898,7 @@
           <p:cNvPr id="20" name="Marcador de contenido 19">
             <a:extLst>
               <a:ext uri="{FF2B5EF4-FFF2-40B4-BE49-F238E27FC236}">
-                <a16:creationId xmlns:a16="http://schemas.microsoft.com/office/drawing/2014/main" xmlns="" id="{37E8D75D-F170-4FE9-A4F2-4F26FFE64E25}"/>
+                <a16:creationId xmlns:a16="http://schemas.microsoft.com/office/drawing/2014/main" id="{37E8D75D-F170-4FE9-A4F2-4F26FFE64E25}"/>
               </a:ext>
             </a:extLst>
           </p:cNvPr>
@@ -7908,7 +7916,7 @@
                 <a14:imgProps xmlns:a14="http://schemas.microsoft.com/office/drawing/2010/main">
                   <a14:imgLayer r:embed="rId5">
                     <a14:imgEffect>
-                      <a14:colorTemperature colorTemp="7200"/>
+                      <a14:colorTemperature colorTemp="8800"/>
                     </a14:imgEffect>
                   </a14:imgLayer>
                 </a14:imgProps>
@@ -7921,7 +7929,7 @@
         </p:blipFill>
         <p:spPr>
           <a:xfrm>
-            <a:off x="2935741" y="1271780"/>
+            <a:off x="3186262" y="1234202"/>
             <a:ext cx="6310992" cy="5259160"/>
           </a:xfrm>
         </p:spPr>
@@ -7931,7 +7939,7 @@
           <p:cNvPr id="9" name="Marcador de contenido 3">
             <a:extLst>
               <a:ext uri="{FF2B5EF4-FFF2-40B4-BE49-F238E27FC236}">
-                <a16:creationId xmlns:a16="http://schemas.microsoft.com/office/drawing/2014/main" xmlns="" id="{02CFDD02-E2FD-4A1B-82FE-B8717DA00EF8}"/>
+                <a16:creationId xmlns:a16="http://schemas.microsoft.com/office/drawing/2014/main" id="{02CFDD02-E2FD-4A1B-82FE-B8717DA00EF8}"/>
               </a:ext>
             </a:extLst>
           </p:cNvPr>
@@ -8008,6 +8016,46 @@
               </a:rPr>
               <a:t>Mejoras</a:t>
             </a:r>
+            <a:endParaRPr lang="en-US" dirty="0" smtClean="0">
+              <a:solidFill>
+                <a:schemeClr val="accent5">
+                  <a:lumMod val="20000"/>
+                  <a:lumOff val="80000"/>
+                </a:schemeClr>
+              </a:solidFill>
+            </a:endParaRPr>
+          </a:p>
+          <a:p>
+            <a:endParaRPr lang="en-US" dirty="0">
+              <a:solidFill>
+                <a:schemeClr val="accent5">
+                  <a:lumMod val="20000"/>
+                  <a:lumOff val="80000"/>
+                </a:schemeClr>
+              </a:solidFill>
+            </a:endParaRPr>
+          </a:p>
+          <a:p>
+            <a:endParaRPr lang="en-US" dirty="0" smtClean="0">
+              <a:solidFill>
+                <a:schemeClr val="accent5">
+                  <a:lumMod val="20000"/>
+                  <a:lumOff val="80000"/>
+                </a:schemeClr>
+              </a:solidFill>
+            </a:endParaRPr>
+          </a:p>
+          <a:p>
+            <a:endParaRPr lang="en-US" dirty="0">
+              <a:solidFill>
+                <a:schemeClr val="accent5">
+                  <a:lumMod val="20000"/>
+                  <a:lumOff val="80000"/>
+                </a:schemeClr>
+              </a:solidFill>
+            </a:endParaRPr>
+          </a:p>
+          <a:p>
             <a:endParaRPr lang="en-US" dirty="0" smtClean="0">
               <a:solidFill>
                 <a:schemeClr val="accent5">
